--- a/1. Core Java/Day 4/Slides/14. Persisting Objects with Serialization/persisting-objects-with-serialization-slides.pptx
+++ b/1. Core Java/Day 4/Slides/14. Persisting Objects with Serialization/persisting-objects-with-serialization-slides.pptx
@@ -3530,54 +3530,6 @@
       </p:sp>
       <p:sp>
         <p:nvSpPr>
-          <p:cNvPr id="19" name="object 19"/>
-          <p:cNvSpPr/>
-          <p:nvPr/>
-        </p:nvSpPr>
-        <p:spPr>
-          <a:xfrm>
-            <a:off x="844296" y="2266188"/>
-            <a:ext cx="646430" cy="279400"/>
-          </a:xfrm>
-          <a:custGeom>
-            <a:avLst/>
-            <a:gdLst/>
-            <a:ahLst/>
-            <a:cxnLst/>
-            <a:rect l="l" t="t" r="r" b="b"/>
-            <a:pathLst>
-              <a:path w="646430" h="279400">
-                <a:moveTo>
-                  <a:pt x="646176" y="0"/>
-                </a:moveTo>
-                <a:lnTo>
-                  <a:pt x="0" y="0"/>
-                </a:lnTo>
-                <a:lnTo>
-                  <a:pt x="0" y="278891"/>
-                </a:lnTo>
-                <a:lnTo>
-                  <a:pt x="646176" y="278891"/>
-                </a:lnTo>
-                <a:lnTo>
-                  <a:pt x="646176" y="0"/>
-                </a:lnTo>
-                <a:close/>
-              </a:path>
-            </a:pathLst>
-          </a:custGeom>
-          <a:solidFill>
-            <a:srgbClr val="F1F1F1"/>
-          </a:solidFill>
-        </p:spPr>
-        <p:txBody>
-          <a:bodyPr wrap="square" lIns="0" tIns="0" rIns="0" bIns="0" rtlCol="0"/>
-          <a:lstStyle/>
-          <a:p/>
-        </p:txBody>
-      </p:sp>
-      <p:sp>
-        <p:nvSpPr>
           <p:cNvPr id="20" name="object 20"/>
           <p:cNvSpPr/>
           <p:nvPr/>
@@ -4147,7 +4099,7 @@
         <p:spPr>
           <a:xfrm>
             <a:off x="542544" y="1173480"/>
-            <a:ext cx="11107420" cy="3523615"/>
+            <a:ext cx="11107420" cy="3467735"/>
           </a:xfrm>
           <a:prstGeom prst="rect">
             <a:avLst/>
@@ -4243,7 +4195,7 @@
                 <a:latin typeface="Courier New" panose="02070309020205020404"/>
                 <a:cs typeface="Courier New" panose="02070309020205020404"/>
               </a:rPr>
-              <a:t>{implements</a:t>
+              <a:t>implements</a:t>
             </a:r>
             <a:r>
               <a:rPr sz="1800" spc="-40" dirty="0">
